--- a/FER202/1. Slide/Slot2,3_ES6_Rendering-with-JSX.pptx
+++ b/FER202/1. Slide/Slot2,3_ES6_Rendering-with-JSX.pptx
@@ -294,7 +294,7 @@
       <p15:notesGuideLst xmlns:p15="http://schemas.microsoft.com/office/powerpoint/2012/main"/>
     </p:ext>
     <p:ext uri="http://customooxmlschemas.google.com/">
-      <go:slidesCustomData xmlns="" xmlns:mc="http://schemas.openxmlformats.org/markup-compatibility/2006" xmlns:mv="urn:schemas-microsoft-com:mac:vml" xmlns:c="http://schemas.openxmlformats.org/drawingml/2006/chart" xmlns:dgm="http://schemas.openxmlformats.org/drawingml/2006/diagram" xmlns:o="urn:schemas-microsoft-com:office:office" xmlns:v="urn:schemas-microsoft-com:vml" xmlns:pvml="urn:schemas-microsoft-com:office:powerpoint" xmlns:com="http://schemas.openxmlformats.org/drawingml/2006/compatibility" xmlns:p14="http://schemas.microsoft.com/office/powerpoint/2010/main" xmlns:p15="http://schemas.microsoft.com/office/powerpoint/2012/main" xmlns:ahyp="http://schemas.microsoft.com/office/drawing/2018/hyperlinkcolor" xmlns:go="http://customooxmlschemas.google.com/" r:id="rId79" roundtripDataSignature="AMtx7miBoikMJheKjyya+7EvCRHFNElTxg=="/>
+      <go:slidesCustomData xmlns:go="http://customooxmlschemas.google.com/" xmlns:ahyp="http://schemas.microsoft.com/office/drawing/2018/hyperlinkcolor" xmlns:p15="http://schemas.microsoft.com/office/powerpoint/2012/main" xmlns:p14="http://schemas.microsoft.com/office/powerpoint/2010/main" xmlns:com="http://schemas.openxmlformats.org/drawingml/2006/compatibility" xmlns:pvml="urn:schemas-microsoft-com:office:powerpoint" xmlns:v="urn:schemas-microsoft-com:vml" xmlns:o="urn:schemas-microsoft-com:office:office" xmlns:dgm="http://schemas.openxmlformats.org/drawingml/2006/diagram" xmlns:c="http://schemas.openxmlformats.org/drawingml/2006/chart" xmlns:mv="urn:schemas-microsoft-com:mac:vml" xmlns:mc="http://schemas.openxmlformats.org/markup-compatibility/2006" xmlns="" r:id="rId79" roundtripDataSignature="AMtx7miBoikMJheKjyya+7EvCRHFNElTxg=="/>
     </p:ext>
   </p:extLst>
 </p:presentation>
@@ -406,7 +406,7 @@
           <a:p>
             <a:fld id="{138E2D4D-34F6-41F9-904A-E60CD98BCEC5}" type="datetimeFigureOut">
               <a:rPr lang="en-US" smtClean="0"/>
-              <a:t>11/23/2023</a:t>
+              <a:t>1/10/2024</a:t>
             </a:fld>
             <a:endParaRPr lang="en-US"/>
           </a:p>
@@ -17407,7 +17407,7 @@
                 <a:cs typeface="Arial"/>
                 <a:sym typeface="Arial"/>
               </a:rPr>
-              <a:t>11/23/2023</a:t>
+              <a:t>1/10/2024</a:t>
             </a:fld>
             <a:endParaRPr sz="1200">
               <a:solidFill>
@@ -22400,7 +22400,7 @@
                 <a:cs typeface="Arial"/>
                 <a:sym typeface="Arial"/>
               </a:rPr>
-              <a:t>11/23/2023</a:t>
+              <a:t>1/10/2024</a:t>
             </a:fld>
             <a:endParaRPr sz="1200">
               <a:solidFill>
@@ -27341,7 +27341,7 @@
         </p:blipFill>
         <p:spPr>
           <a:xfrm>
-            <a:off x="987658" y="2319445"/>
+            <a:off x="987658" y="2363689"/>
             <a:ext cx="6931835" cy="2168333"/>
           </a:xfrm>
           <a:prstGeom prst="rect">
